--- a/docs/diagrams/ModelComponentClassDiagram.pptx
+++ b/docs/diagrams/ModelComponentClassDiagram.pptx
@@ -109,7 +109,7 @@
   </p:defaultTextStyle>
   <p:extLst>
     <p:ext uri="{EFAFB233-063F-42B5-8137-9DF3F51BA10A}">
-      <p15:sldGuideLst xmlns:p15="http://schemas.microsoft.com/office/powerpoint/2012/main">
+      <p15:sldGuideLst xmlns:p15="http://schemas.microsoft.com/office/powerpoint/2012/main" xmlns="">
         <p15:guide id="1" orient="horz" pos="1488">
           <p15:clr>
             <a:srgbClr val="A4A3A4"/>
@@ -208,7 +208,7 @@
           <a:p>
             <a:fld id="{F5CC4B3F-88C1-4FFA-B1B6-F41C21DC6924}" type="datetimeFigureOut">
               <a:rPr lang="en-US" smtClean="0"/>
-              <a:t>9/4/17</a:t>
+              <a:t>17/10/23</a:t>
             </a:fld>
             <a:endParaRPr lang="en-US"/>
           </a:p>
@@ -657,7 +657,7 @@
           <a:p>
             <a:fld id="{78C97017-6FC3-485B-9764-EAC9E56C1D49}" type="datetimeFigureOut">
               <a:rPr lang="en-US" smtClean="0"/>
-              <a:t>9/4/17</a:t>
+              <a:t>17/10/23</a:t>
             </a:fld>
             <a:endParaRPr lang="en-US"/>
           </a:p>
@@ -827,7 +827,7 @@
           <a:p>
             <a:fld id="{78C97017-6FC3-485B-9764-EAC9E56C1D49}" type="datetimeFigureOut">
               <a:rPr lang="en-US" smtClean="0"/>
-              <a:t>9/4/17</a:t>
+              <a:t>17/10/23</a:t>
             </a:fld>
             <a:endParaRPr lang="en-US"/>
           </a:p>
@@ -1007,7 +1007,7 @@
           <a:p>
             <a:fld id="{78C97017-6FC3-485B-9764-EAC9E56C1D49}" type="datetimeFigureOut">
               <a:rPr lang="en-US" smtClean="0"/>
-              <a:t>9/4/17</a:t>
+              <a:t>17/10/23</a:t>
             </a:fld>
             <a:endParaRPr lang="en-US"/>
           </a:p>
@@ -1177,7 +1177,7 @@
           <a:p>
             <a:fld id="{78C97017-6FC3-485B-9764-EAC9E56C1D49}" type="datetimeFigureOut">
               <a:rPr lang="en-US" smtClean="0"/>
-              <a:t>9/4/17</a:t>
+              <a:t>17/10/23</a:t>
             </a:fld>
             <a:endParaRPr lang="en-US"/>
           </a:p>
@@ -1423,7 +1423,7 @@
           <a:p>
             <a:fld id="{78C97017-6FC3-485B-9764-EAC9E56C1D49}" type="datetimeFigureOut">
               <a:rPr lang="en-US" smtClean="0"/>
-              <a:t>9/4/17</a:t>
+              <a:t>17/10/23</a:t>
             </a:fld>
             <a:endParaRPr lang="en-US"/>
           </a:p>
@@ -1711,7 +1711,7 @@
           <a:p>
             <a:fld id="{78C97017-6FC3-485B-9764-EAC9E56C1D49}" type="datetimeFigureOut">
               <a:rPr lang="en-US" smtClean="0"/>
-              <a:t>9/4/17</a:t>
+              <a:t>17/10/23</a:t>
             </a:fld>
             <a:endParaRPr lang="en-US"/>
           </a:p>
@@ -2133,7 +2133,7 @@
           <a:p>
             <a:fld id="{78C97017-6FC3-485B-9764-EAC9E56C1D49}" type="datetimeFigureOut">
               <a:rPr lang="en-US" smtClean="0"/>
-              <a:t>9/4/17</a:t>
+              <a:t>17/10/23</a:t>
             </a:fld>
             <a:endParaRPr lang="en-US"/>
           </a:p>
@@ -2251,7 +2251,7 @@
           <a:p>
             <a:fld id="{78C97017-6FC3-485B-9764-EAC9E56C1D49}" type="datetimeFigureOut">
               <a:rPr lang="en-US" smtClean="0"/>
-              <a:t>9/4/17</a:t>
+              <a:t>17/10/23</a:t>
             </a:fld>
             <a:endParaRPr lang="en-US"/>
           </a:p>
@@ -2346,7 +2346,7 @@
           <a:p>
             <a:fld id="{78C97017-6FC3-485B-9764-EAC9E56C1D49}" type="datetimeFigureOut">
               <a:rPr lang="en-US" smtClean="0"/>
-              <a:t>9/4/17</a:t>
+              <a:t>17/10/23</a:t>
             </a:fld>
             <a:endParaRPr lang="en-US"/>
           </a:p>
@@ -2623,7 +2623,7 @@
           <a:p>
             <a:fld id="{78C97017-6FC3-485B-9764-EAC9E56C1D49}" type="datetimeFigureOut">
               <a:rPr lang="en-US" smtClean="0"/>
-              <a:t>9/4/17</a:t>
+              <a:t>17/10/23</a:t>
             </a:fld>
             <a:endParaRPr lang="en-US"/>
           </a:p>
@@ -2876,7 +2876,7 @@
           <a:p>
             <a:fld id="{78C97017-6FC3-485B-9764-EAC9E56C1D49}" type="datetimeFigureOut">
               <a:rPr lang="en-US" smtClean="0"/>
-              <a:t>9/4/17</a:t>
+              <a:t>17/10/23</a:t>
             </a:fld>
             <a:endParaRPr lang="en-US"/>
           </a:p>
@@ -3089,7 +3089,7 @@
           <a:p>
             <a:fld id="{78C97017-6FC3-485B-9764-EAC9E56C1D49}" type="datetimeFigureOut">
               <a:rPr lang="en-US" smtClean="0"/>
-              <a:t>9/4/17</a:t>
+              <a:t>17/10/23</a:t>
             </a:fld>
             <a:endParaRPr lang="en-US"/>
           </a:p>
@@ -3569,7 +3569,7 @@
           <a:p>
             <a:pPr algn="ctr"/>
             <a:r>
-              <a:rPr lang="en-US" sz="1050" dirty="0" err="1" smtClean="0">
+              <a:rPr lang="en-US" sz="1050" dirty="0" smtClean="0">
                 <a:solidFill>
                   <a:schemeClr val="bg1"/>
                 </a:solidFill>
@@ -3628,7 +3628,7 @@
           <a:p>
             <a:pPr algn="ctr"/>
             <a:r>
-              <a:rPr lang="en-US" sz="1050" dirty="0" err="1" smtClean="0">
+              <a:rPr lang="en-US" sz="1050" dirty="0" smtClean="0">
                 <a:solidFill>
                   <a:schemeClr val="bg1"/>
                 </a:solidFill>
@@ -4107,7 +4107,7 @@
           <a:p>
             <a:pPr algn="ctr"/>
             <a:r>
-              <a:rPr lang="en-US" sz="1050" dirty="0" err="1" smtClean="0">
+              <a:rPr lang="en-US" sz="1050" dirty="0" smtClean="0">
                 <a:solidFill>
                   <a:srgbClr val="7030A0"/>
                 </a:solidFill>
@@ -4249,7 +4249,7 @@
           <a:p>
             <a:pPr algn="ctr"/>
             <a:r>
-              <a:rPr lang="en-US" sz="1050" dirty="0" err="1" smtClean="0">
+              <a:rPr lang="en-US" sz="1050" dirty="0" smtClean="0">
                 <a:solidFill>
                   <a:srgbClr val="7030A0"/>
                 </a:solidFill>
@@ -4393,7 +4393,7 @@
           <a:p>
             <a:pPr algn="ctr"/>
             <a:r>
-              <a:rPr lang="en-US" sz="1050" dirty="0" err="1" smtClean="0">
+              <a:rPr lang="en-US" sz="1050" dirty="0" smtClean="0">
                 <a:solidFill>
                   <a:srgbClr val="7030A0"/>
                 </a:solidFill>
@@ -4791,7 +4791,7 @@
               </a:rPr>
             </a:br>
             <a:r>
-              <a:rPr lang="en-US" sz="1050" dirty="0" err="1" smtClean="0">
+              <a:rPr lang="en-US" sz="1050" dirty="0" smtClean="0">
                 <a:solidFill>
                   <a:srgbClr val="7030A0"/>
                 </a:solidFill>
@@ -4814,8 +4814,8 @@
         </p:nvSpPr>
         <p:spPr>
           <a:xfrm>
-            <a:off x="7712397" y="2564238"/>
-            <a:ext cx="708186" cy="285783"/>
+            <a:off x="7696200" y="1905000"/>
+            <a:ext cx="762000" cy="228600"/>
           </a:xfrm>
           <a:prstGeom prst="rect">
             <a:avLst/>
@@ -4920,8 +4920,8 @@
         </p:nvCxnSpPr>
         <p:spPr>
           <a:xfrm flipV="1">
-            <a:off x="7277995" y="2707130"/>
-            <a:ext cx="434402" cy="327761"/>
+            <a:off x="7277995" y="2019300"/>
+            <a:ext cx="418205" cy="1015591"/>
           </a:xfrm>
           <a:prstGeom prst="bentConnector3">
             <a:avLst/>
@@ -4958,8 +4958,8 @@
         </p:nvSpPr>
         <p:spPr>
           <a:xfrm>
-            <a:off x="7712397" y="2887216"/>
-            <a:ext cx="708186" cy="285783"/>
+            <a:off x="7696200" y="2209800"/>
+            <a:ext cx="762000" cy="209583"/>
           </a:xfrm>
           <a:prstGeom prst="rect">
             <a:avLst/>
@@ -5017,8 +5017,8 @@
         </p:nvCxnSpPr>
         <p:spPr>
           <a:xfrm flipV="1">
-            <a:off x="7277995" y="3030108"/>
-            <a:ext cx="434402" cy="4783"/>
+            <a:off x="7277995" y="2314592"/>
+            <a:ext cx="418205" cy="720299"/>
           </a:xfrm>
           <a:prstGeom prst="bentConnector3">
             <a:avLst/>
@@ -5055,8 +5055,8 @@
         </p:nvSpPr>
         <p:spPr>
           <a:xfrm>
-            <a:off x="7712397" y="3210194"/>
-            <a:ext cx="708186" cy="285783"/>
+            <a:off x="7696200" y="3124200"/>
+            <a:ext cx="762000" cy="209583"/>
           </a:xfrm>
           <a:prstGeom prst="rect">
             <a:avLst/>
@@ -5115,7 +5115,7 @@
         <p:spPr>
           <a:xfrm>
             <a:off x="7277995" y="3034891"/>
-            <a:ext cx="434402" cy="318195"/>
+            <a:ext cx="418205" cy="194101"/>
           </a:xfrm>
           <a:prstGeom prst="bentConnector3">
             <a:avLst/>
@@ -5152,8 +5152,8 @@
         </p:nvSpPr>
         <p:spPr>
           <a:xfrm>
-            <a:off x="7712397" y="3533171"/>
-            <a:ext cx="708186" cy="285783"/>
+            <a:off x="7696200" y="3429000"/>
+            <a:ext cx="762000" cy="228600"/>
           </a:xfrm>
           <a:prstGeom prst="rect">
             <a:avLst/>
@@ -5212,7 +5212,7 @@
         <p:spPr>
           <a:xfrm>
             <a:off x="7277995" y="3034891"/>
-            <a:ext cx="434402" cy="641172"/>
+            <a:ext cx="418205" cy="508409"/>
           </a:xfrm>
           <a:prstGeom prst="bentConnector3">
             <a:avLst/>
@@ -5388,7 +5388,7 @@
               </a:rPr>
             </a:br>
             <a:r>
-              <a:rPr lang="en-US" sz="1050" dirty="0" err="1" smtClean="0">
+              <a:rPr lang="en-US" sz="1050" dirty="0" smtClean="0">
                 <a:solidFill>
                   <a:srgbClr val="7030A0"/>
                 </a:solidFill>
@@ -5491,7 +5491,7 @@
               <a:t>&lt;&lt;interface&gt;&gt;</a:t>
             </a:r>
             <a:r>
-              <a:rPr lang="en-US" sz="1050">
+              <a:rPr lang="en-US" sz="1050" dirty="0">
                 <a:solidFill>
                   <a:srgbClr val="7030A0"/>
                 </a:solidFill>
@@ -5499,14 +5499,14 @@
               <a:t/>
             </a:r>
             <a:br>
-              <a:rPr lang="en-US" sz="1050">
+              <a:rPr lang="en-US" sz="1050" dirty="0">
                 <a:solidFill>
                   <a:srgbClr val="7030A0"/>
                 </a:solidFill>
               </a:rPr>
             </a:br>
             <a:r>
-              <a:rPr lang="en-US" sz="1050" dirty="0" err="1" smtClean="0">
+              <a:rPr lang="en-US" sz="1050" dirty="0" smtClean="0">
                 <a:solidFill>
                   <a:srgbClr val="7030A0"/>
                 </a:solidFill>
@@ -5916,6 +5916,499 @@
           </a:p>
         </p:txBody>
       </p:sp>
+      <p:sp>
+        <p:nvSpPr>
+          <p:cNvPr id="73" name="Rectangle 8"/>
+          <p:cNvSpPr/>
+          <p:nvPr/>
+        </p:nvSpPr>
+        <p:spPr>
+          <a:xfrm>
+            <a:off x="7696200" y="3733800"/>
+            <a:ext cx="762000" cy="228600"/>
+          </a:xfrm>
+          <a:prstGeom prst="rect">
+            <a:avLst/>
+          </a:prstGeom>
+          <a:ln w="19050">
+            <a:solidFill>
+              <a:srgbClr val="7030A0"/>
+            </a:solidFill>
+          </a:ln>
+          <a:effectLst/>
+        </p:spPr>
+        <p:style>
+          <a:lnRef idx="1">
+            <a:schemeClr val="accent4"/>
+          </a:lnRef>
+          <a:fillRef idx="2">
+            <a:schemeClr val="accent4"/>
+          </a:fillRef>
+          <a:effectRef idx="1">
+            <a:schemeClr val="accent4"/>
+          </a:effectRef>
+          <a:fontRef idx="minor">
+            <a:schemeClr val="dk1"/>
+          </a:fontRef>
+        </p:style>
+        <p:txBody>
+          <a:bodyPr rtlCol="0" anchor="ctr"/>
+          <a:lstStyle/>
+          <a:p>
+            <a:pPr algn="ctr"/>
+            <a:r>
+              <a:rPr lang="en-US" sz="1050" dirty="0" smtClean="0">
+                <a:solidFill>
+                  <a:srgbClr val="7030A0"/>
+                </a:solidFill>
+              </a:rPr>
+              <a:t>Birthday</a:t>
+            </a:r>
+            <a:endParaRPr lang="en-SG" sz="1050" dirty="0">
+              <a:solidFill>
+                <a:srgbClr val="7030A0"/>
+              </a:solidFill>
+            </a:endParaRPr>
+          </a:p>
+        </p:txBody>
+      </p:sp>
+      <p:sp>
+        <p:nvSpPr>
+          <p:cNvPr id="74" name="Rectangle 8"/>
+          <p:cNvSpPr/>
+          <p:nvPr/>
+        </p:nvSpPr>
+        <p:spPr>
+          <a:xfrm>
+            <a:off x="7696200" y="4038600"/>
+            <a:ext cx="762000" cy="228600"/>
+          </a:xfrm>
+          <a:prstGeom prst="rect">
+            <a:avLst/>
+          </a:prstGeom>
+          <a:ln w="19050">
+            <a:solidFill>
+              <a:srgbClr val="7030A0"/>
+            </a:solidFill>
+          </a:ln>
+          <a:effectLst/>
+        </p:spPr>
+        <p:style>
+          <a:lnRef idx="1">
+            <a:schemeClr val="accent4"/>
+          </a:lnRef>
+          <a:fillRef idx="2">
+            <a:schemeClr val="accent4"/>
+          </a:fillRef>
+          <a:effectRef idx="1">
+            <a:schemeClr val="accent4"/>
+          </a:effectRef>
+          <a:fontRef idx="minor">
+            <a:schemeClr val="dk1"/>
+          </a:fontRef>
+        </p:style>
+        <p:txBody>
+          <a:bodyPr rtlCol="0" anchor="ctr"/>
+          <a:lstStyle/>
+          <a:p>
+            <a:pPr algn="ctr"/>
+            <a:r>
+              <a:rPr lang="en-US" sz="1050" dirty="0" smtClean="0">
+                <a:solidFill>
+                  <a:srgbClr val="7030A0"/>
+                </a:solidFill>
+              </a:rPr>
+              <a:t>Timetable</a:t>
+            </a:r>
+            <a:endParaRPr lang="en-SG" sz="1050" dirty="0">
+              <a:solidFill>
+                <a:srgbClr val="7030A0"/>
+              </a:solidFill>
+            </a:endParaRPr>
+          </a:p>
+        </p:txBody>
+      </p:sp>
+      <p:sp>
+        <p:nvSpPr>
+          <p:cNvPr id="77" name="Rectangle 8"/>
+          <p:cNvSpPr/>
+          <p:nvPr/>
+        </p:nvSpPr>
+        <p:spPr>
+          <a:xfrm>
+            <a:off x="7696200" y="4343400"/>
+            <a:ext cx="762000" cy="209583"/>
+          </a:xfrm>
+          <a:prstGeom prst="rect">
+            <a:avLst/>
+          </a:prstGeom>
+          <a:ln w="19050">
+            <a:solidFill>
+              <a:srgbClr val="7030A0"/>
+            </a:solidFill>
+          </a:ln>
+          <a:effectLst/>
+        </p:spPr>
+        <p:style>
+          <a:lnRef idx="1">
+            <a:schemeClr val="accent4"/>
+          </a:lnRef>
+          <a:fillRef idx="2">
+            <a:schemeClr val="accent4"/>
+          </a:fillRef>
+          <a:effectRef idx="1">
+            <a:schemeClr val="accent4"/>
+          </a:effectRef>
+          <a:fontRef idx="minor">
+            <a:schemeClr val="dk1"/>
+          </a:fontRef>
+        </p:style>
+        <p:txBody>
+          <a:bodyPr rtlCol="0" anchor="ctr"/>
+          <a:lstStyle/>
+          <a:p>
+            <a:pPr algn="ctr"/>
+            <a:r>
+              <a:rPr lang="en-US" sz="1050" dirty="0" smtClean="0">
+                <a:solidFill>
+                  <a:srgbClr val="7030A0"/>
+                </a:solidFill>
+              </a:rPr>
+              <a:t>Remark</a:t>
+            </a:r>
+            <a:endParaRPr lang="en-SG" sz="1050" dirty="0">
+              <a:solidFill>
+                <a:srgbClr val="7030A0"/>
+              </a:solidFill>
+            </a:endParaRPr>
+          </a:p>
+        </p:txBody>
+      </p:sp>
+      <p:sp>
+        <p:nvSpPr>
+          <p:cNvPr id="82" name="Rectangle 8"/>
+          <p:cNvSpPr/>
+          <p:nvPr/>
+        </p:nvSpPr>
+        <p:spPr>
+          <a:xfrm>
+            <a:off x="7696200" y="2514600"/>
+            <a:ext cx="762000" cy="228600"/>
+          </a:xfrm>
+          <a:prstGeom prst="rect">
+            <a:avLst/>
+          </a:prstGeom>
+          <a:ln w="19050">
+            <a:solidFill>
+              <a:srgbClr val="7030A0"/>
+            </a:solidFill>
+          </a:ln>
+          <a:effectLst/>
+        </p:spPr>
+        <p:style>
+          <a:lnRef idx="1">
+            <a:schemeClr val="accent4"/>
+          </a:lnRef>
+          <a:fillRef idx="2">
+            <a:schemeClr val="accent4"/>
+          </a:fillRef>
+          <a:effectRef idx="1">
+            <a:schemeClr val="accent4"/>
+          </a:effectRef>
+          <a:fontRef idx="minor">
+            <a:schemeClr val="dk1"/>
+          </a:fontRef>
+        </p:style>
+        <p:txBody>
+          <a:bodyPr rtlCol="0" anchor="ctr"/>
+          <a:lstStyle/>
+          <a:p>
+            <a:pPr algn="ctr"/>
+            <a:r>
+              <a:rPr lang="en-US" sz="1050" dirty="0" smtClean="0">
+                <a:solidFill>
+                  <a:srgbClr val="7030A0"/>
+                </a:solidFill>
+              </a:rPr>
+              <a:t>Gender </a:t>
+            </a:r>
+            <a:endParaRPr lang="en-SG" sz="1050" dirty="0">
+              <a:solidFill>
+                <a:srgbClr val="7030A0"/>
+              </a:solidFill>
+            </a:endParaRPr>
+          </a:p>
+        </p:txBody>
+      </p:sp>
+      <p:sp>
+        <p:nvSpPr>
+          <p:cNvPr id="87" name="Rectangle 8"/>
+          <p:cNvSpPr/>
+          <p:nvPr/>
+        </p:nvSpPr>
+        <p:spPr>
+          <a:xfrm>
+            <a:off x="7696200" y="2819400"/>
+            <a:ext cx="762000" cy="228600"/>
+          </a:xfrm>
+          <a:prstGeom prst="rect">
+            <a:avLst/>
+          </a:prstGeom>
+          <a:ln w="19050">
+            <a:solidFill>
+              <a:srgbClr val="7030A0"/>
+            </a:solidFill>
+          </a:ln>
+          <a:effectLst/>
+        </p:spPr>
+        <p:style>
+          <a:lnRef idx="1">
+            <a:schemeClr val="accent4"/>
+          </a:lnRef>
+          <a:fillRef idx="2">
+            <a:schemeClr val="accent4"/>
+          </a:fillRef>
+          <a:effectRef idx="1">
+            <a:schemeClr val="accent4"/>
+          </a:effectRef>
+          <a:fontRef idx="minor">
+            <a:schemeClr val="dk1"/>
+          </a:fontRef>
+        </p:style>
+        <p:txBody>
+          <a:bodyPr rtlCol="0" anchor="ctr"/>
+          <a:lstStyle/>
+          <a:p>
+            <a:pPr algn="ctr"/>
+            <a:r>
+              <a:rPr lang="en-US" sz="1050" dirty="0" smtClean="0">
+                <a:solidFill>
+                  <a:srgbClr val="7030A0"/>
+                </a:solidFill>
+              </a:rPr>
+              <a:t>Matric no.</a:t>
+            </a:r>
+            <a:endParaRPr lang="en-SG" sz="1050" dirty="0">
+              <a:solidFill>
+                <a:srgbClr val="7030A0"/>
+              </a:solidFill>
+            </a:endParaRPr>
+          </a:p>
+        </p:txBody>
+      </p:sp>
+      <p:cxnSp>
+        <p:nvCxnSpPr>
+          <p:cNvPr id="88" name="Elbow Connector 85"/>
+          <p:cNvCxnSpPr>
+            <a:stCxn id="78" idx="3"/>
+            <a:endCxn id="73" idx="1"/>
+          </p:cNvCxnSpPr>
+          <p:nvPr/>
+        </p:nvCxnSpPr>
+        <p:spPr>
+          <a:xfrm>
+            <a:off x="7277995" y="3034891"/>
+            <a:ext cx="418205" cy="813209"/>
+          </a:xfrm>
+          <a:prstGeom prst="bentConnector3">
+            <a:avLst>
+              <a:gd name="adj1" fmla="val 50000"/>
+            </a:avLst>
+          </a:prstGeom>
+          <a:ln w="19050">
+            <a:solidFill>
+              <a:srgbClr val="7030A0"/>
+            </a:solidFill>
+            <a:headEnd type="none" w="med" len="med"/>
+            <a:tailEnd type="arrow" w="med" len="med"/>
+          </a:ln>
+          <a:effectLst/>
+        </p:spPr>
+        <p:style>
+          <a:lnRef idx="1">
+            <a:schemeClr val="accent2"/>
+          </a:lnRef>
+          <a:fillRef idx="2">
+            <a:schemeClr val="accent2"/>
+          </a:fillRef>
+          <a:effectRef idx="1">
+            <a:schemeClr val="accent2"/>
+          </a:effectRef>
+          <a:fontRef idx="minor">
+            <a:schemeClr val="dk1"/>
+          </a:fontRef>
+        </p:style>
+      </p:cxnSp>
+      <p:cxnSp>
+        <p:nvCxnSpPr>
+          <p:cNvPr id="89" name="Elbow Connector 85"/>
+          <p:cNvCxnSpPr>
+            <a:stCxn id="78" idx="3"/>
+            <a:endCxn id="74" idx="1"/>
+          </p:cNvCxnSpPr>
+          <p:nvPr/>
+        </p:nvCxnSpPr>
+        <p:spPr>
+          <a:xfrm>
+            <a:off x="7277995" y="3034891"/>
+            <a:ext cx="418205" cy="1118009"/>
+          </a:xfrm>
+          <a:prstGeom prst="bentConnector3">
+            <a:avLst>
+              <a:gd name="adj1" fmla="val 50000"/>
+            </a:avLst>
+          </a:prstGeom>
+          <a:ln w="19050">
+            <a:solidFill>
+              <a:srgbClr val="7030A0"/>
+            </a:solidFill>
+            <a:headEnd type="none" w="med" len="med"/>
+            <a:tailEnd type="arrow" w="med" len="med"/>
+          </a:ln>
+          <a:effectLst/>
+        </p:spPr>
+        <p:style>
+          <a:lnRef idx="1">
+            <a:schemeClr val="accent2"/>
+          </a:lnRef>
+          <a:fillRef idx="2">
+            <a:schemeClr val="accent2"/>
+          </a:fillRef>
+          <a:effectRef idx="1">
+            <a:schemeClr val="accent2"/>
+          </a:effectRef>
+          <a:fontRef idx="minor">
+            <a:schemeClr val="dk1"/>
+          </a:fontRef>
+        </p:style>
+      </p:cxnSp>
+      <p:cxnSp>
+        <p:nvCxnSpPr>
+          <p:cNvPr id="90" name="Elbow Connector 85"/>
+          <p:cNvCxnSpPr>
+            <a:stCxn id="78" idx="3"/>
+            <a:endCxn id="77" idx="1"/>
+          </p:cNvCxnSpPr>
+          <p:nvPr/>
+        </p:nvCxnSpPr>
+        <p:spPr>
+          <a:xfrm>
+            <a:off x="7277995" y="3034891"/>
+            <a:ext cx="418205" cy="1413301"/>
+          </a:xfrm>
+          <a:prstGeom prst="bentConnector3">
+            <a:avLst>
+              <a:gd name="adj1" fmla="val 50000"/>
+            </a:avLst>
+          </a:prstGeom>
+          <a:ln w="19050">
+            <a:solidFill>
+              <a:srgbClr val="7030A0"/>
+            </a:solidFill>
+            <a:headEnd type="none" w="med" len="med"/>
+            <a:tailEnd type="arrow" w="med" len="med"/>
+          </a:ln>
+          <a:effectLst/>
+        </p:spPr>
+        <p:style>
+          <a:lnRef idx="1">
+            <a:schemeClr val="accent2"/>
+          </a:lnRef>
+          <a:fillRef idx="2">
+            <a:schemeClr val="accent2"/>
+          </a:fillRef>
+          <a:effectRef idx="1">
+            <a:schemeClr val="accent2"/>
+          </a:effectRef>
+          <a:fontRef idx="minor">
+            <a:schemeClr val="dk1"/>
+          </a:fontRef>
+        </p:style>
+      </p:cxnSp>
+      <p:cxnSp>
+        <p:nvCxnSpPr>
+          <p:cNvPr id="91" name="Elbow Connector 85"/>
+          <p:cNvCxnSpPr>
+            <a:stCxn id="78" idx="3"/>
+            <a:endCxn id="87" idx="1"/>
+          </p:cNvCxnSpPr>
+          <p:nvPr/>
+        </p:nvCxnSpPr>
+        <p:spPr>
+          <a:xfrm flipV="1">
+            <a:off x="7277995" y="2933700"/>
+            <a:ext cx="418205" cy="101191"/>
+          </a:xfrm>
+          <a:prstGeom prst="bentConnector3">
+            <a:avLst/>
+          </a:prstGeom>
+          <a:ln w="19050">
+            <a:solidFill>
+              <a:srgbClr val="7030A0"/>
+            </a:solidFill>
+            <a:headEnd type="none" w="med" len="med"/>
+            <a:tailEnd type="arrow" w="med" len="med"/>
+          </a:ln>
+          <a:effectLst/>
+        </p:spPr>
+        <p:style>
+          <a:lnRef idx="1">
+            <a:schemeClr val="accent2"/>
+          </a:lnRef>
+          <a:fillRef idx="2">
+            <a:schemeClr val="accent2"/>
+          </a:fillRef>
+          <a:effectRef idx="1">
+            <a:schemeClr val="accent2"/>
+          </a:effectRef>
+          <a:fontRef idx="minor">
+            <a:schemeClr val="dk1"/>
+          </a:fontRef>
+        </p:style>
+      </p:cxnSp>
+      <p:cxnSp>
+        <p:nvCxnSpPr>
+          <p:cNvPr id="93" name="Elbow Connector 85"/>
+          <p:cNvCxnSpPr>
+            <a:stCxn id="78" idx="3"/>
+            <a:endCxn id="82" idx="1"/>
+          </p:cNvCxnSpPr>
+          <p:nvPr/>
+        </p:nvCxnSpPr>
+        <p:spPr>
+          <a:xfrm flipV="1">
+            <a:off x="7277995" y="2628900"/>
+            <a:ext cx="418205" cy="405991"/>
+          </a:xfrm>
+          <a:prstGeom prst="bentConnector3">
+            <a:avLst>
+              <a:gd name="adj1" fmla="val 50000"/>
+            </a:avLst>
+          </a:prstGeom>
+          <a:ln w="19050">
+            <a:solidFill>
+              <a:srgbClr val="7030A0"/>
+            </a:solidFill>
+            <a:headEnd type="none" w="med" len="med"/>
+            <a:tailEnd type="arrow" w="med" len="med"/>
+          </a:ln>
+          <a:effectLst/>
+        </p:spPr>
+        <p:style>
+          <a:lnRef idx="1">
+            <a:schemeClr val="accent2"/>
+          </a:lnRef>
+          <a:fillRef idx="2">
+            <a:schemeClr val="accent2"/>
+          </a:fillRef>
+          <a:effectRef idx="1">
+            <a:schemeClr val="accent2"/>
+          </a:effectRef>
+          <a:fontRef idx="minor">
+            <a:schemeClr val="dk1"/>
+          </a:fontRef>
+        </p:style>
+      </p:cxnSp>
     </p:spTree>
     <p:extLst>
       <p:ext uri="{BB962C8B-B14F-4D97-AF65-F5344CB8AC3E}">
@@ -5929,7 +6422,7 @@
   <p:timing>
     <p:tnLst>
       <p:par>
-        <p:cTn id="1" dur="indefinite" restart="never" nodeType="tmRoot"/>
+        <p:cTn xmlns:p14="http://schemas.microsoft.com/office/powerpoint/2010/main" id="1" dur="indefinite" restart="never" nodeType="tmRoot"/>
       </p:par>
     </p:tnLst>
   </p:timing>
